--- a/ppt 16-9/0567.惟独耶稣.pptx
+++ b/ppt 16-9/0567.惟独耶稣.pptx
@@ -129,7 +129,7 @@
           <p:cNvPr id="2" name="标题 1">
             <a:extLst>
               <a:ext uri="{FF2B5EF4-FFF2-40B4-BE49-F238E27FC236}">
-                <a16:creationId xmlns:a16="http://schemas.microsoft.com/office/drawing/2014/main" id="{201CE4F8-F399-B379-88AC-956EA0736027}"/>
+                <a16:creationId xmlns:a16="http://schemas.microsoft.com/office/drawing/2014/main" id="{D6991CE9-FBE9-B31A-8721-BB19FE03FD1C}"/>
               </a:ext>
             </a:extLst>
           </p:cNvPr>
@@ -166,7 +166,7 @@
           <p:cNvPr id="3" name="副标题 2">
             <a:extLst>
               <a:ext uri="{FF2B5EF4-FFF2-40B4-BE49-F238E27FC236}">
-                <a16:creationId xmlns:a16="http://schemas.microsoft.com/office/drawing/2014/main" id="{4BB17B8C-071C-46ED-F973-A5ABD9D591DB}"/>
+                <a16:creationId xmlns:a16="http://schemas.microsoft.com/office/drawing/2014/main" id="{123F5991-C2E9-D014-0926-E0C51B6038BF}"/>
               </a:ext>
             </a:extLst>
           </p:cNvPr>
@@ -236,7 +236,7 @@
           <p:cNvPr id="4" name="日期占位符 3">
             <a:extLst>
               <a:ext uri="{FF2B5EF4-FFF2-40B4-BE49-F238E27FC236}">
-                <a16:creationId xmlns:a16="http://schemas.microsoft.com/office/drawing/2014/main" id="{2FD0AB68-C251-B667-72BF-B46770D3120B}"/>
+                <a16:creationId xmlns:a16="http://schemas.microsoft.com/office/drawing/2014/main" id="{5BAE9888-70A2-A15F-5839-E2EDD326B780}"/>
               </a:ext>
             </a:extLst>
           </p:cNvPr>
@@ -252,7 +252,7 @@
           <a:bodyPr/>
           <a:lstStyle/>
           <a:p>
-            <a:fld id="{76D709D7-F66E-415D-A3B2-D8E5A76F08C1}" type="datetimeFigureOut">
+            <a:fld id="{D7DAFB74-707B-464E-A8D4-66BEC6A66364}" type="datetimeFigureOut">
               <a:rPr lang="zh-CN" altLang="en-US" smtClean="0"/>
               <a:t>2024/3/10</a:t>
             </a:fld>
@@ -265,7 +265,7 @@
           <p:cNvPr id="5" name="页脚占位符 4">
             <a:extLst>
               <a:ext uri="{FF2B5EF4-FFF2-40B4-BE49-F238E27FC236}">
-                <a16:creationId xmlns:a16="http://schemas.microsoft.com/office/drawing/2014/main" id="{8098CE80-C2FC-5CA7-87AA-6CB3085623B0}"/>
+                <a16:creationId xmlns:a16="http://schemas.microsoft.com/office/drawing/2014/main" id="{DC766D23-4893-C866-C44F-82A125FE0497}"/>
               </a:ext>
             </a:extLst>
           </p:cNvPr>
@@ -290,7 +290,7 @@
           <p:cNvPr id="6" name="灯片编号占位符 5">
             <a:extLst>
               <a:ext uri="{FF2B5EF4-FFF2-40B4-BE49-F238E27FC236}">
-                <a16:creationId xmlns:a16="http://schemas.microsoft.com/office/drawing/2014/main" id="{D9F3B120-EC6B-5F83-453F-037DA503273F}"/>
+                <a16:creationId xmlns:a16="http://schemas.microsoft.com/office/drawing/2014/main" id="{8D217429-479B-2655-B750-EC7FD5A95D83}"/>
               </a:ext>
             </a:extLst>
           </p:cNvPr>
@@ -306,7 +306,7 @@
           <a:bodyPr/>
           <a:lstStyle/>
           <a:p>
-            <a:fld id="{4B91C50D-EB4C-4122-B325-82A58C6E68A8}" type="slidenum">
+            <a:fld id="{D1E0061D-B850-4BD2-8CDF-45012D8D7267}" type="slidenum">
               <a:rPr lang="zh-CN" altLang="en-US" smtClean="0"/>
               <a:t>‹#›</a:t>
             </a:fld>
@@ -317,7 +317,7 @@
     </p:spTree>
     <p:extLst>
       <p:ext uri="{BB962C8B-B14F-4D97-AF65-F5344CB8AC3E}">
-        <p14:creationId xmlns:p14="http://schemas.microsoft.com/office/powerpoint/2010/main" val="4294871914"/>
+        <p14:creationId xmlns:p14="http://schemas.microsoft.com/office/powerpoint/2010/main" val="3935564163"/>
       </p:ext>
     </p:extLst>
   </p:cSld>
@@ -349,7 +349,7 @@
           <p:cNvPr id="2" name="标题 1">
             <a:extLst>
               <a:ext uri="{FF2B5EF4-FFF2-40B4-BE49-F238E27FC236}">
-                <a16:creationId xmlns:a16="http://schemas.microsoft.com/office/drawing/2014/main" id="{45235FEC-3EE4-9737-DA3A-4EAD41DBEEE8}"/>
+                <a16:creationId xmlns:a16="http://schemas.microsoft.com/office/drawing/2014/main" id="{8C450BC1-0902-CC25-DAFC-AB46271874B8}"/>
               </a:ext>
             </a:extLst>
           </p:cNvPr>
@@ -377,7 +377,7 @@
           <p:cNvPr id="3" name="竖排文字占位符 2">
             <a:extLst>
               <a:ext uri="{FF2B5EF4-FFF2-40B4-BE49-F238E27FC236}">
-                <a16:creationId xmlns:a16="http://schemas.microsoft.com/office/drawing/2014/main" id="{1DFA5D16-B6FF-E959-7A9A-21887F3637E3}"/>
+                <a16:creationId xmlns:a16="http://schemas.microsoft.com/office/drawing/2014/main" id="{1FF5FFFC-254B-4EA1-8220-A9F15FC655E8}"/>
               </a:ext>
             </a:extLst>
           </p:cNvPr>
@@ -434,7 +434,7 @@
           <p:cNvPr id="4" name="日期占位符 3">
             <a:extLst>
               <a:ext uri="{FF2B5EF4-FFF2-40B4-BE49-F238E27FC236}">
-                <a16:creationId xmlns:a16="http://schemas.microsoft.com/office/drawing/2014/main" id="{9ADC6AF5-FD45-D182-B0D3-A4D1C7315D93}"/>
+                <a16:creationId xmlns:a16="http://schemas.microsoft.com/office/drawing/2014/main" id="{A983574F-4F43-21B8-D5CD-74582B537059}"/>
               </a:ext>
             </a:extLst>
           </p:cNvPr>
@@ -450,7 +450,7 @@
           <a:bodyPr/>
           <a:lstStyle/>
           <a:p>
-            <a:fld id="{76D709D7-F66E-415D-A3B2-D8E5A76F08C1}" type="datetimeFigureOut">
+            <a:fld id="{D7DAFB74-707B-464E-A8D4-66BEC6A66364}" type="datetimeFigureOut">
               <a:rPr lang="zh-CN" altLang="en-US" smtClean="0"/>
               <a:t>2024/3/10</a:t>
             </a:fld>
@@ -463,7 +463,7 @@
           <p:cNvPr id="5" name="页脚占位符 4">
             <a:extLst>
               <a:ext uri="{FF2B5EF4-FFF2-40B4-BE49-F238E27FC236}">
-                <a16:creationId xmlns:a16="http://schemas.microsoft.com/office/drawing/2014/main" id="{EC12885B-4DA9-75B3-8188-B91C664E3C1A}"/>
+                <a16:creationId xmlns:a16="http://schemas.microsoft.com/office/drawing/2014/main" id="{2A591C9F-654D-CCB1-C5FF-AE5762117D95}"/>
               </a:ext>
             </a:extLst>
           </p:cNvPr>
@@ -488,7 +488,7 @@
           <p:cNvPr id="6" name="灯片编号占位符 5">
             <a:extLst>
               <a:ext uri="{FF2B5EF4-FFF2-40B4-BE49-F238E27FC236}">
-                <a16:creationId xmlns:a16="http://schemas.microsoft.com/office/drawing/2014/main" id="{1E029B69-6647-FDC0-E820-0B3288177D99}"/>
+                <a16:creationId xmlns:a16="http://schemas.microsoft.com/office/drawing/2014/main" id="{84A213F9-0114-7FA1-8B9D-0FE761C7B718}"/>
               </a:ext>
             </a:extLst>
           </p:cNvPr>
@@ -504,7 +504,7 @@
           <a:bodyPr/>
           <a:lstStyle/>
           <a:p>
-            <a:fld id="{4B91C50D-EB4C-4122-B325-82A58C6E68A8}" type="slidenum">
+            <a:fld id="{D1E0061D-B850-4BD2-8CDF-45012D8D7267}" type="slidenum">
               <a:rPr lang="zh-CN" altLang="en-US" smtClean="0"/>
               <a:t>‹#›</a:t>
             </a:fld>
@@ -515,7 +515,7 @@
     </p:spTree>
     <p:extLst>
       <p:ext uri="{BB962C8B-B14F-4D97-AF65-F5344CB8AC3E}">
-        <p14:creationId xmlns:p14="http://schemas.microsoft.com/office/powerpoint/2010/main" val="2309785671"/>
+        <p14:creationId xmlns:p14="http://schemas.microsoft.com/office/powerpoint/2010/main" val="3104490039"/>
       </p:ext>
     </p:extLst>
   </p:cSld>
@@ -547,7 +547,7 @@
           <p:cNvPr id="2" name="竖排标题 1">
             <a:extLst>
               <a:ext uri="{FF2B5EF4-FFF2-40B4-BE49-F238E27FC236}">
-                <a16:creationId xmlns:a16="http://schemas.microsoft.com/office/drawing/2014/main" id="{4C22DF22-0253-F406-8876-1A23237DA593}"/>
+                <a16:creationId xmlns:a16="http://schemas.microsoft.com/office/drawing/2014/main" id="{965F9C45-B1FB-4238-2CAF-9EDA12F96210}"/>
               </a:ext>
             </a:extLst>
           </p:cNvPr>
@@ -580,7 +580,7 @@
           <p:cNvPr id="3" name="竖排文字占位符 2">
             <a:extLst>
               <a:ext uri="{FF2B5EF4-FFF2-40B4-BE49-F238E27FC236}">
-                <a16:creationId xmlns:a16="http://schemas.microsoft.com/office/drawing/2014/main" id="{D8B0C9B8-CE97-1ECF-C8F5-98D20540A61F}"/>
+                <a16:creationId xmlns:a16="http://schemas.microsoft.com/office/drawing/2014/main" id="{9E94E31B-45A9-1DB4-DD65-50011D295EA7}"/>
               </a:ext>
             </a:extLst>
           </p:cNvPr>
@@ -642,7 +642,7 @@
           <p:cNvPr id="4" name="日期占位符 3">
             <a:extLst>
               <a:ext uri="{FF2B5EF4-FFF2-40B4-BE49-F238E27FC236}">
-                <a16:creationId xmlns:a16="http://schemas.microsoft.com/office/drawing/2014/main" id="{A9E1650D-11C1-8245-4B63-361939715B49}"/>
+                <a16:creationId xmlns:a16="http://schemas.microsoft.com/office/drawing/2014/main" id="{4AFFDF64-7574-C374-D19D-D0C18A22C477}"/>
               </a:ext>
             </a:extLst>
           </p:cNvPr>
@@ -658,7 +658,7 @@
           <a:bodyPr/>
           <a:lstStyle/>
           <a:p>
-            <a:fld id="{76D709D7-F66E-415D-A3B2-D8E5A76F08C1}" type="datetimeFigureOut">
+            <a:fld id="{D7DAFB74-707B-464E-A8D4-66BEC6A66364}" type="datetimeFigureOut">
               <a:rPr lang="zh-CN" altLang="en-US" smtClean="0"/>
               <a:t>2024/3/10</a:t>
             </a:fld>
@@ -671,7 +671,7 @@
           <p:cNvPr id="5" name="页脚占位符 4">
             <a:extLst>
               <a:ext uri="{FF2B5EF4-FFF2-40B4-BE49-F238E27FC236}">
-                <a16:creationId xmlns:a16="http://schemas.microsoft.com/office/drawing/2014/main" id="{8ED2754B-9A71-88E6-BEED-C0AAB02466C9}"/>
+                <a16:creationId xmlns:a16="http://schemas.microsoft.com/office/drawing/2014/main" id="{D3F53F85-EEB8-2D71-C7C4-3656D2E18F93}"/>
               </a:ext>
             </a:extLst>
           </p:cNvPr>
@@ -696,7 +696,7 @@
           <p:cNvPr id="6" name="灯片编号占位符 5">
             <a:extLst>
               <a:ext uri="{FF2B5EF4-FFF2-40B4-BE49-F238E27FC236}">
-                <a16:creationId xmlns:a16="http://schemas.microsoft.com/office/drawing/2014/main" id="{1532EF13-50A0-7271-ECEF-C91E6BDE4E07}"/>
+                <a16:creationId xmlns:a16="http://schemas.microsoft.com/office/drawing/2014/main" id="{DEDEC52E-C14F-7ACF-D3FC-0A43D6FD8076}"/>
               </a:ext>
             </a:extLst>
           </p:cNvPr>
@@ -712,7 +712,7 @@
           <a:bodyPr/>
           <a:lstStyle/>
           <a:p>
-            <a:fld id="{4B91C50D-EB4C-4122-B325-82A58C6E68A8}" type="slidenum">
+            <a:fld id="{D1E0061D-B850-4BD2-8CDF-45012D8D7267}" type="slidenum">
               <a:rPr lang="zh-CN" altLang="en-US" smtClean="0"/>
               <a:t>‹#›</a:t>
             </a:fld>
@@ -723,7 +723,7 @@
     </p:spTree>
     <p:extLst>
       <p:ext uri="{BB962C8B-B14F-4D97-AF65-F5344CB8AC3E}">
-        <p14:creationId xmlns:p14="http://schemas.microsoft.com/office/powerpoint/2010/main" val="4247438575"/>
+        <p14:creationId xmlns:p14="http://schemas.microsoft.com/office/powerpoint/2010/main" val="3709127420"/>
       </p:ext>
     </p:extLst>
   </p:cSld>
@@ -755,7 +755,7 @@
           <p:cNvPr id="2" name="标题 1">
             <a:extLst>
               <a:ext uri="{FF2B5EF4-FFF2-40B4-BE49-F238E27FC236}">
-                <a16:creationId xmlns:a16="http://schemas.microsoft.com/office/drawing/2014/main" id="{2933724C-198D-7448-4740-08F3873178A0}"/>
+                <a16:creationId xmlns:a16="http://schemas.microsoft.com/office/drawing/2014/main" id="{CD78959A-684A-544F-7C9F-57E1D9D14B27}"/>
               </a:ext>
             </a:extLst>
           </p:cNvPr>
@@ -783,7 +783,7 @@
           <p:cNvPr id="3" name="内容占位符 2">
             <a:extLst>
               <a:ext uri="{FF2B5EF4-FFF2-40B4-BE49-F238E27FC236}">
-                <a16:creationId xmlns:a16="http://schemas.microsoft.com/office/drawing/2014/main" id="{DD491F34-E132-C043-E557-3B47F0BAB3CD}"/>
+                <a16:creationId xmlns:a16="http://schemas.microsoft.com/office/drawing/2014/main" id="{D36DB7BC-7EC9-09B5-1B48-2194894214E8}"/>
               </a:ext>
             </a:extLst>
           </p:cNvPr>
@@ -840,7 +840,7 @@
           <p:cNvPr id="4" name="日期占位符 3">
             <a:extLst>
               <a:ext uri="{FF2B5EF4-FFF2-40B4-BE49-F238E27FC236}">
-                <a16:creationId xmlns:a16="http://schemas.microsoft.com/office/drawing/2014/main" id="{4A44CD02-0164-C811-AFA1-EB9EE5B6F95B}"/>
+                <a16:creationId xmlns:a16="http://schemas.microsoft.com/office/drawing/2014/main" id="{7CD72176-E391-1507-80AE-FC8C81B9B655}"/>
               </a:ext>
             </a:extLst>
           </p:cNvPr>
@@ -856,7 +856,7 @@
           <a:bodyPr/>
           <a:lstStyle/>
           <a:p>
-            <a:fld id="{76D709D7-F66E-415D-A3B2-D8E5A76F08C1}" type="datetimeFigureOut">
+            <a:fld id="{D7DAFB74-707B-464E-A8D4-66BEC6A66364}" type="datetimeFigureOut">
               <a:rPr lang="zh-CN" altLang="en-US" smtClean="0"/>
               <a:t>2024/3/10</a:t>
             </a:fld>
@@ -869,7 +869,7 @@
           <p:cNvPr id="5" name="页脚占位符 4">
             <a:extLst>
               <a:ext uri="{FF2B5EF4-FFF2-40B4-BE49-F238E27FC236}">
-                <a16:creationId xmlns:a16="http://schemas.microsoft.com/office/drawing/2014/main" id="{9DFCF71E-1B87-0AD6-6FDF-663DD7B4A4FE}"/>
+                <a16:creationId xmlns:a16="http://schemas.microsoft.com/office/drawing/2014/main" id="{6DEDEA5C-81C8-E2C5-9AD4-A2EAECD9D042}"/>
               </a:ext>
             </a:extLst>
           </p:cNvPr>
@@ -894,7 +894,7 @@
           <p:cNvPr id="6" name="灯片编号占位符 5">
             <a:extLst>
               <a:ext uri="{FF2B5EF4-FFF2-40B4-BE49-F238E27FC236}">
-                <a16:creationId xmlns:a16="http://schemas.microsoft.com/office/drawing/2014/main" id="{1A36788C-ADC5-635C-737F-D3BA5ED8ECA4}"/>
+                <a16:creationId xmlns:a16="http://schemas.microsoft.com/office/drawing/2014/main" id="{069E40D6-7A21-6301-68ED-201DD672DAF3}"/>
               </a:ext>
             </a:extLst>
           </p:cNvPr>
@@ -910,7 +910,7 @@
           <a:bodyPr/>
           <a:lstStyle/>
           <a:p>
-            <a:fld id="{4B91C50D-EB4C-4122-B325-82A58C6E68A8}" type="slidenum">
+            <a:fld id="{D1E0061D-B850-4BD2-8CDF-45012D8D7267}" type="slidenum">
               <a:rPr lang="zh-CN" altLang="en-US" smtClean="0"/>
               <a:t>‹#›</a:t>
             </a:fld>
@@ -921,7 +921,7 @@
     </p:spTree>
     <p:extLst>
       <p:ext uri="{BB962C8B-B14F-4D97-AF65-F5344CB8AC3E}">
-        <p14:creationId xmlns:p14="http://schemas.microsoft.com/office/powerpoint/2010/main" val="2041670493"/>
+        <p14:creationId xmlns:p14="http://schemas.microsoft.com/office/powerpoint/2010/main" val="3834707242"/>
       </p:ext>
     </p:extLst>
   </p:cSld>
@@ -953,7 +953,7 @@
           <p:cNvPr id="2" name="标题 1">
             <a:extLst>
               <a:ext uri="{FF2B5EF4-FFF2-40B4-BE49-F238E27FC236}">
-                <a16:creationId xmlns:a16="http://schemas.microsoft.com/office/drawing/2014/main" id="{442D87EB-4238-6E02-71E1-99D2E5CD7322}"/>
+                <a16:creationId xmlns:a16="http://schemas.microsoft.com/office/drawing/2014/main" id="{65B00FA5-F0C8-D129-8C74-7325D79BC7A8}"/>
               </a:ext>
             </a:extLst>
           </p:cNvPr>
@@ -990,7 +990,7 @@
           <p:cNvPr id="3" name="文本占位符 2">
             <a:extLst>
               <a:ext uri="{FF2B5EF4-FFF2-40B4-BE49-F238E27FC236}">
-                <a16:creationId xmlns:a16="http://schemas.microsoft.com/office/drawing/2014/main" id="{5EDC7E2A-27EB-DC5E-6246-4E8CEEB5F123}"/>
+                <a16:creationId xmlns:a16="http://schemas.microsoft.com/office/drawing/2014/main" id="{C801A5C9-01C8-557D-0E22-D6ACBD556FE8}"/>
               </a:ext>
             </a:extLst>
           </p:cNvPr>
@@ -1115,7 +1115,7 @@
           <p:cNvPr id="4" name="日期占位符 3">
             <a:extLst>
               <a:ext uri="{FF2B5EF4-FFF2-40B4-BE49-F238E27FC236}">
-                <a16:creationId xmlns:a16="http://schemas.microsoft.com/office/drawing/2014/main" id="{C3B89E2A-9291-D2C1-E1C5-BE2BFE75BDAC}"/>
+                <a16:creationId xmlns:a16="http://schemas.microsoft.com/office/drawing/2014/main" id="{708DD479-09BF-1FC3-64DC-09CE5862D6A1}"/>
               </a:ext>
             </a:extLst>
           </p:cNvPr>
@@ -1131,7 +1131,7 @@
           <a:bodyPr/>
           <a:lstStyle/>
           <a:p>
-            <a:fld id="{76D709D7-F66E-415D-A3B2-D8E5A76F08C1}" type="datetimeFigureOut">
+            <a:fld id="{D7DAFB74-707B-464E-A8D4-66BEC6A66364}" type="datetimeFigureOut">
               <a:rPr lang="zh-CN" altLang="en-US" smtClean="0"/>
               <a:t>2024/3/10</a:t>
             </a:fld>
@@ -1144,7 +1144,7 @@
           <p:cNvPr id="5" name="页脚占位符 4">
             <a:extLst>
               <a:ext uri="{FF2B5EF4-FFF2-40B4-BE49-F238E27FC236}">
-                <a16:creationId xmlns:a16="http://schemas.microsoft.com/office/drawing/2014/main" id="{E961B4CA-E1A0-F71B-A735-EB7C00C6FD09}"/>
+                <a16:creationId xmlns:a16="http://schemas.microsoft.com/office/drawing/2014/main" id="{409341A2-F592-993F-A850-C1243E541EC4}"/>
               </a:ext>
             </a:extLst>
           </p:cNvPr>
@@ -1169,7 +1169,7 @@
           <p:cNvPr id="6" name="灯片编号占位符 5">
             <a:extLst>
               <a:ext uri="{FF2B5EF4-FFF2-40B4-BE49-F238E27FC236}">
-                <a16:creationId xmlns:a16="http://schemas.microsoft.com/office/drawing/2014/main" id="{591433B9-C94A-F401-A86F-AA5E58554823}"/>
+                <a16:creationId xmlns:a16="http://schemas.microsoft.com/office/drawing/2014/main" id="{65B1160B-5FBF-621B-4D2B-4A8CDA04E850}"/>
               </a:ext>
             </a:extLst>
           </p:cNvPr>
@@ -1185,7 +1185,7 @@
           <a:bodyPr/>
           <a:lstStyle/>
           <a:p>
-            <a:fld id="{4B91C50D-EB4C-4122-B325-82A58C6E68A8}" type="slidenum">
+            <a:fld id="{D1E0061D-B850-4BD2-8CDF-45012D8D7267}" type="slidenum">
               <a:rPr lang="zh-CN" altLang="en-US" smtClean="0"/>
               <a:t>‹#›</a:t>
             </a:fld>
@@ -1196,7 +1196,7 @@
     </p:spTree>
     <p:extLst>
       <p:ext uri="{BB962C8B-B14F-4D97-AF65-F5344CB8AC3E}">
-        <p14:creationId xmlns:p14="http://schemas.microsoft.com/office/powerpoint/2010/main" val="1646356497"/>
+        <p14:creationId xmlns:p14="http://schemas.microsoft.com/office/powerpoint/2010/main" val="297898866"/>
       </p:ext>
     </p:extLst>
   </p:cSld>
@@ -1228,7 +1228,7 @@
           <p:cNvPr id="2" name="标题 1">
             <a:extLst>
               <a:ext uri="{FF2B5EF4-FFF2-40B4-BE49-F238E27FC236}">
-                <a16:creationId xmlns:a16="http://schemas.microsoft.com/office/drawing/2014/main" id="{A1824070-07CD-3C63-67DA-B547CBAD959A}"/>
+                <a16:creationId xmlns:a16="http://schemas.microsoft.com/office/drawing/2014/main" id="{2AA56770-6FAF-13B6-1AD9-88F8A3329EBA}"/>
               </a:ext>
             </a:extLst>
           </p:cNvPr>
@@ -1256,7 +1256,7 @@
           <p:cNvPr id="3" name="内容占位符 2">
             <a:extLst>
               <a:ext uri="{FF2B5EF4-FFF2-40B4-BE49-F238E27FC236}">
-                <a16:creationId xmlns:a16="http://schemas.microsoft.com/office/drawing/2014/main" id="{C2B61408-C306-BA53-DCE4-15D7E49E1EE2}"/>
+                <a16:creationId xmlns:a16="http://schemas.microsoft.com/office/drawing/2014/main" id="{AF12DCCE-404C-5D38-1E4B-4DB459B41CDD}"/>
               </a:ext>
             </a:extLst>
           </p:cNvPr>
@@ -1318,7 +1318,7 @@
           <p:cNvPr id="4" name="内容占位符 3">
             <a:extLst>
               <a:ext uri="{FF2B5EF4-FFF2-40B4-BE49-F238E27FC236}">
-                <a16:creationId xmlns:a16="http://schemas.microsoft.com/office/drawing/2014/main" id="{B24120A9-80F6-5C2C-F617-9D0F5AF5D092}"/>
+                <a16:creationId xmlns:a16="http://schemas.microsoft.com/office/drawing/2014/main" id="{828E76DF-BA31-B974-B571-6AE50777D6A0}"/>
               </a:ext>
             </a:extLst>
           </p:cNvPr>
@@ -1380,7 +1380,7 @@
           <p:cNvPr id="5" name="日期占位符 4">
             <a:extLst>
               <a:ext uri="{FF2B5EF4-FFF2-40B4-BE49-F238E27FC236}">
-                <a16:creationId xmlns:a16="http://schemas.microsoft.com/office/drawing/2014/main" id="{10611D03-0C4A-A260-3EB4-57AFEB9FA8E9}"/>
+                <a16:creationId xmlns:a16="http://schemas.microsoft.com/office/drawing/2014/main" id="{9228A89D-EA5C-A6CF-6E61-D5AB88DF8DB2}"/>
               </a:ext>
             </a:extLst>
           </p:cNvPr>
@@ -1396,7 +1396,7 @@
           <a:bodyPr/>
           <a:lstStyle/>
           <a:p>
-            <a:fld id="{76D709D7-F66E-415D-A3B2-D8E5A76F08C1}" type="datetimeFigureOut">
+            <a:fld id="{D7DAFB74-707B-464E-A8D4-66BEC6A66364}" type="datetimeFigureOut">
               <a:rPr lang="zh-CN" altLang="en-US" smtClean="0"/>
               <a:t>2024/3/10</a:t>
             </a:fld>
@@ -1409,7 +1409,7 @@
           <p:cNvPr id="6" name="页脚占位符 5">
             <a:extLst>
               <a:ext uri="{FF2B5EF4-FFF2-40B4-BE49-F238E27FC236}">
-                <a16:creationId xmlns:a16="http://schemas.microsoft.com/office/drawing/2014/main" id="{21D392EB-9DA5-A399-2455-0DF115E3A610}"/>
+                <a16:creationId xmlns:a16="http://schemas.microsoft.com/office/drawing/2014/main" id="{E218828D-E17B-F4EC-0266-7793970885CC}"/>
               </a:ext>
             </a:extLst>
           </p:cNvPr>
@@ -1434,7 +1434,7 @@
           <p:cNvPr id="7" name="灯片编号占位符 6">
             <a:extLst>
               <a:ext uri="{FF2B5EF4-FFF2-40B4-BE49-F238E27FC236}">
-                <a16:creationId xmlns:a16="http://schemas.microsoft.com/office/drawing/2014/main" id="{D9170904-FF50-E84C-A5A8-FC9E74FCC4B5}"/>
+                <a16:creationId xmlns:a16="http://schemas.microsoft.com/office/drawing/2014/main" id="{002A3715-5457-C42B-6996-B23717575C34}"/>
               </a:ext>
             </a:extLst>
           </p:cNvPr>
@@ -1450,7 +1450,7 @@
           <a:bodyPr/>
           <a:lstStyle/>
           <a:p>
-            <a:fld id="{4B91C50D-EB4C-4122-B325-82A58C6E68A8}" type="slidenum">
+            <a:fld id="{D1E0061D-B850-4BD2-8CDF-45012D8D7267}" type="slidenum">
               <a:rPr lang="zh-CN" altLang="en-US" smtClean="0"/>
               <a:t>‹#›</a:t>
             </a:fld>
@@ -1461,7 +1461,7 @@
     </p:spTree>
     <p:extLst>
       <p:ext uri="{BB962C8B-B14F-4D97-AF65-F5344CB8AC3E}">
-        <p14:creationId xmlns:p14="http://schemas.microsoft.com/office/powerpoint/2010/main" val="3868540633"/>
+        <p14:creationId xmlns:p14="http://schemas.microsoft.com/office/powerpoint/2010/main" val="829683653"/>
       </p:ext>
     </p:extLst>
   </p:cSld>
@@ -1493,7 +1493,7 @@
           <p:cNvPr id="2" name="标题 1">
             <a:extLst>
               <a:ext uri="{FF2B5EF4-FFF2-40B4-BE49-F238E27FC236}">
-                <a16:creationId xmlns:a16="http://schemas.microsoft.com/office/drawing/2014/main" id="{F6A5E26F-6084-091D-25A9-8C7F0625493A}"/>
+                <a16:creationId xmlns:a16="http://schemas.microsoft.com/office/drawing/2014/main" id="{2A7CE46B-3407-B445-9502-9584D49AB187}"/>
               </a:ext>
             </a:extLst>
           </p:cNvPr>
@@ -1526,7 +1526,7 @@
           <p:cNvPr id="3" name="文本占位符 2">
             <a:extLst>
               <a:ext uri="{FF2B5EF4-FFF2-40B4-BE49-F238E27FC236}">
-                <a16:creationId xmlns:a16="http://schemas.microsoft.com/office/drawing/2014/main" id="{F6BE81C2-3EA4-4551-5AFD-6CB92A7A2949}"/>
+                <a16:creationId xmlns:a16="http://schemas.microsoft.com/office/drawing/2014/main" id="{22F7DBFC-5B9B-488B-6390-FBAA1AB864B2}"/>
               </a:ext>
             </a:extLst>
           </p:cNvPr>
@@ -1597,7 +1597,7 @@
           <p:cNvPr id="4" name="内容占位符 3">
             <a:extLst>
               <a:ext uri="{FF2B5EF4-FFF2-40B4-BE49-F238E27FC236}">
-                <a16:creationId xmlns:a16="http://schemas.microsoft.com/office/drawing/2014/main" id="{F573F690-98A9-FB05-6729-206542435C65}"/>
+                <a16:creationId xmlns:a16="http://schemas.microsoft.com/office/drawing/2014/main" id="{0853751E-0E2E-06C3-E7EA-404C32124C0A}"/>
               </a:ext>
             </a:extLst>
           </p:cNvPr>
@@ -1659,7 +1659,7 @@
           <p:cNvPr id="5" name="文本占位符 4">
             <a:extLst>
               <a:ext uri="{FF2B5EF4-FFF2-40B4-BE49-F238E27FC236}">
-                <a16:creationId xmlns:a16="http://schemas.microsoft.com/office/drawing/2014/main" id="{AC2CC63E-2899-CF52-0813-74554561F487}"/>
+                <a16:creationId xmlns:a16="http://schemas.microsoft.com/office/drawing/2014/main" id="{FD2A19C4-3F41-CF19-49BF-5F7BEA1F6425}"/>
               </a:ext>
             </a:extLst>
           </p:cNvPr>
@@ -1730,7 +1730,7 @@
           <p:cNvPr id="6" name="内容占位符 5">
             <a:extLst>
               <a:ext uri="{FF2B5EF4-FFF2-40B4-BE49-F238E27FC236}">
-                <a16:creationId xmlns:a16="http://schemas.microsoft.com/office/drawing/2014/main" id="{93A4DCFF-6065-C178-0CEF-59DE157FBE01}"/>
+                <a16:creationId xmlns:a16="http://schemas.microsoft.com/office/drawing/2014/main" id="{28B07947-595E-1EDE-3E93-30FAF7C7369F}"/>
               </a:ext>
             </a:extLst>
           </p:cNvPr>
@@ -1792,7 +1792,7 @@
           <p:cNvPr id="7" name="日期占位符 6">
             <a:extLst>
               <a:ext uri="{FF2B5EF4-FFF2-40B4-BE49-F238E27FC236}">
-                <a16:creationId xmlns:a16="http://schemas.microsoft.com/office/drawing/2014/main" id="{15F12C34-E55F-72CE-2212-E8A165C4CD7D}"/>
+                <a16:creationId xmlns:a16="http://schemas.microsoft.com/office/drawing/2014/main" id="{C7FB73AD-7A60-E81A-662A-536321862E72}"/>
               </a:ext>
             </a:extLst>
           </p:cNvPr>
@@ -1808,7 +1808,7 @@
           <a:bodyPr/>
           <a:lstStyle/>
           <a:p>
-            <a:fld id="{76D709D7-F66E-415D-A3B2-D8E5A76F08C1}" type="datetimeFigureOut">
+            <a:fld id="{D7DAFB74-707B-464E-A8D4-66BEC6A66364}" type="datetimeFigureOut">
               <a:rPr lang="zh-CN" altLang="en-US" smtClean="0"/>
               <a:t>2024/3/10</a:t>
             </a:fld>
@@ -1821,7 +1821,7 @@
           <p:cNvPr id="8" name="页脚占位符 7">
             <a:extLst>
               <a:ext uri="{FF2B5EF4-FFF2-40B4-BE49-F238E27FC236}">
-                <a16:creationId xmlns:a16="http://schemas.microsoft.com/office/drawing/2014/main" id="{EA950D1F-ED52-EE60-072E-AF504AA2E3E7}"/>
+                <a16:creationId xmlns:a16="http://schemas.microsoft.com/office/drawing/2014/main" id="{E67F1841-6304-3EE8-E53A-283C7A05E184}"/>
               </a:ext>
             </a:extLst>
           </p:cNvPr>
@@ -1846,7 +1846,7 @@
           <p:cNvPr id="9" name="灯片编号占位符 8">
             <a:extLst>
               <a:ext uri="{FF2B5EF4-FFF2-40B4-BE49-F238E27FC236}">
-                <a16:creationId xmlns:a16="http://schemas.microsoft.com/office/drawing/2014/main" id="{13FCA05C-36E4-DF55-6CF9-9667FCB39CE1}"/>
+                <a16:creationId xmlns:a16="http://schemas.microsoft.com/office/drawing/2014/main" id="{F235681C-7783-E0B3-A6F0-23A2FE451FD3}"/>
               </a:ext>
             </a:extLst>
           </p:cNvPr>
@@ -1862,7 +1862,7 @@
           <a:bodyPr/>
           <a:lstStyle/>
           <a:p>
-            <a:fld id="{4B91C50D-EB4C-4122-B325-82A58C6E68A8}" type="slidenum">
+            <a:fld id="{D1E0061D-B850-4BD2-8CDF-45012D8D7267}" type="slidenum">
               <a:rPr lang="zh-CN" altLang="en-US" smtClean="0"/>
               <a:t>‹#›</a:t>
             </a:fld>
@@ -1873,7 +1873,7 @@
     </p:spTree>
     <p:extLst>
       <p:ext uri="{BB962C8B-B14F-4D97-AF65-F5344CB8AC3E}">
-        <p14:creationId xmlns:p14="http://schemas.microsoft.com/office/powerpoint/2010/main" val="957339509"/>
+        <p14:creationId xmlns:p14="http://schemas.microsoft.com/office/powerpoint/2010/main" val="4039666014"/>
       </p:ext>
     </p:extLst>
   </p:cSld>
@@ -1905,7 +1905,7 @@
           <p:cNvPr id="2" name="标题 1">
             <a:extLst>
               <a:ext uri="{FF2B5EF4-FFF2-40B4-BE49-F238E27FC236}">
-                <a16:creationId xmlns:a16="http://schemas.microsoft.com/office/drawing/2014/main" id="{B2CEFCA6-4E65-7172-6C15-ADA6A6E0B554}"/>
+                <a16:creationId xmlns:a16="http://schemas.microsoft.com/office/drawing/2014/main" id="{182281F8-9741-9739-B277-F406FB17CF8A}"/>
               </a:ext>
             </a:extLst>
           </p:cNvPr>
@@ -1933,7 +1933,7 @@
           <p:cNvPr id="3" name="日期占位符 2">
             <a:extLst>
               <a:ext uri="{FF2B5EF4-FFF2-40B4-BE49-F238E27FC236}">
-                <a16:creationId xmlns:a16="http://schemas.microsoft.com/office/drawing/2014/main" id="{BE0F078F-3CCA-9489-835F-907F8533C4AA}"/>
+                <a16:creationId xmlns:a16="http://schemas.microsoft.com/office/drawing/2014/main" id="{A4D3DF2F-137F-4E41-8EC3-5DA83DC88A5D}"/>
               </a:ext>
             </a:extLst>
           </p:cNvPr>
@@ -1949,7 +1949,7 @@
           <a:bodyPr/>
           <a:lstStyle/>
           <a:p>
-            <a:fld id="{76D709D7-F66E-415D-A3B2-D8E5A76F08C1}" type="datetimeFigureOut">
+            <a:fld id="{D7DAFB74-707B-464E-A8D4-66BEC6A66364}" type="datetimeFigureOut">
               <a:rPr lang="zh-CN" altLang="en-US" smtClean="0"/>
               <a:t>2024/3/10</a:t>
             </a:fld>
@@ -1962,7 +1962,7 @@
           <p:cNvPr id="4" name="页脚占位符 3">
             <a:extLst>
               <a:ext uri="{FF2B5EF4-FFF2-40B4-BE49-F238E27FC236}">
-                <a16:creationId xmlns:a16="http://schemas.microsoft.com/office/drawing/2014/main" id="{570B0363-A3DE-11CA-86ED-024FF673CD03}"/>
+                <a16:creationId xmlns:a16="http://schemas.microsoft.com/office/drawing/2014/main" id="{A74C3993-540A-9C97-4149-C6A127158D7C}"/>
               </a:ext>
             </a:extLst>
           </p:cNvPr>
@@ -1987,7 +1987,7 @@
           <p:cNvPr id="5" name="灯片编号占位符 4">
             <a:extLst>
               <a:ext uri="{FF2B5EF4-FFF2-40B4-BE49-F238E27FC236}">
-                <a16:creationId xmlns:a16="http://schemas.microsoft.com/office/drawing/2014/main" id="{6C3A7CCE-1B6D-016E-6E1F-28FB6252E521}"/>
+                <a16:creationId xmlns:a16="http://schemas.microsoft.com/office/drawing/2014/main" id="{78ABDE09-D272-81AC-15B7-A3817DC34137}"/>
               </a:ext>
             </a:extLst>
           </p:cNvPr>
@@ -2003,7 +2003,7 @@
           <a:bodyPr/>
           <a:lstStyle/>
           <a:p>
-            <a:fld id="{4B91C50D-EB4C-4122-B325-82A58C6E68A8}" type="slidenum">
+            <a:fld id="{D1E0061D-B850-4BD2-8CDF-45012D8D7267}" type="slidenum">
               <a:rPr lang="zh-CN" altLang="en-US" smtClean="0"/>
               <a:t>‹#›</a:t>
             </a:fld>
@@ -2014,7 +2014,7 @@
     </p:spTree>
     <p:extLst>
       <p:ext uri="{BB962C8B-B14F-4D97-AF65-F5344CB8AC3E}">
-        <p14:creationId xmlns:p14="http://schemas.microsoft.com/office/powerpoint/2010/main" val="2440262604"/>
+        <p14:creationId xmlns:p14="http://schemas.microsoft.com/office/powerpoint/2010/main" val="2925281091"/>
       </p:ext>
     </p:extLst>
   </p:cSld>
@@ -2046,7 +2046,7 @@
           <p:cNvPr id="2" name="日期占位符 1">
             <a:extLst>
               <a:ext uri="{FF2B5EF4-FFF2-40B4-BE49-F238E27FC236}">
-                <a16:creationId xmlns:a16="http://schemas.microsoft.com/office/drawing/2014/main" id="{DA244407-A665-7BAC-616F-99612B34D68B}"/>
+                <a16:creationId xmlns:a16="http://schemas.microsoft.com/office/drawing/2014/main" id="{C03B67FB-B193-F477-A34D-4DB83D56854C}"/>
               </a:ext>
             </a:extLst>
           </p:cNvPr>
@@ -2062,7 +2062,7 @@
           <a:bodyPr/>
           <a:lstStyle/>
           <a:p>
-            <a:fld id="{76D709D7-F66E-415D-A3B2-D8E5A76F08C1}" type="datetimeFigureOut">
+            <a:fld id="{D7DAFB74-707B-464E-A8D4-66BEC6A66364}" type="datetimeFigureOut">
               <a:rPr lang="zh-CN" altLang="en-US" smtClean="0"/>
               <a:t>2024/3/10</a:t>
             </a:fld>
@@ -2075,7 +2075,7 @@
           <p:cNvPr id="3" name="页脚占位符 2">
             <a:extLst>
               <a:ext uri="{FF2B5EF4-FFF2-40B4-BE49-F238E27FC236}">
-                <a16:creationId xmlns:a16="http://schemas.microsoft.com/office/drawing/2014/main" id="{FEDEDEFC-9F6D-F54D-2BF3-192443266107}"/>
+                <a16:creationId xmlns:a16="http://schemas.microsoft.com/office/drawing/2014/main" id="{B7A1A7A9-5829-0BFB-ACA0-470BFB4EB5D9}"/>
               </a:ext>
             </a:extLst>
           </p:cNvPr>
@@ -2100,7 +2100,7 @@
           <p:cNvPr id="4" name="灯片编号占位符 3">
             <a:extLst>
               <a:ext uri="{FF2B5EF4-FFF2-40B4-BE49-F238E27FC236}">
-                <a16:creationId xmlns:a16="http://schemas.microsoft.com/office/drawing/2014/main" id="{7E225C23-3984-CF49-8DA1-7B874BE25C3D}"/>
+                <a16:creationId xmlns:a16="http://schemas.microsoft.com/office/drawing/2014/main" id="{DDEF41D8-5456-898E-C6FA-3030F031371C}"/>
               </a:ext>
             </a:extLst>
           </p:cNvPr>
@@ -2116,7 +2116,7 @@
           <a:bodyPr/>
           <a:lstStyle/>
           <a:p>
-            <a:fld id="{4B91C50D-EB4C-4122-B325-82A58C6E68A8}" type="slidenum">
+            <a:fld id="{D1E0061D-B850-4BD2-8CDF-45012D8D7267}" type="slidenum">
               <a:rPr lang="zh-CN" altLang="en-US" smtClean="0"/>
               <a:t>‹#›</a:t>
             </a:fld>
@@ -2127,7 +2127,7 @@
     </p:spTree>
     <p:extLst>
       <p:ext uri="{BB962C8B-B14F-4D97-AF65-F5344CB8AC3E}">
-        <p14:creationId xmlns:p14="http://schemas.microsoft.com/office/powerpoint/2010/main" val="3974556431"/>
+        <p14:creationId xmlns:p14="http://schemas.microsoft.com/office/powerpoint/2010/main" val="4162841449"/>
       </p:ext>
     </p:extLst>
   </p:cSld>
@@ -2159,7 +2159,7 @@
           <p:cNvPr id="2" name="标题 1">
             <a:extLst>
               <a:ext uri="{FF2B5EF4-FFF2-40B4-BE49-F238E27FC236}">
-                <a16:creationId xmlns:a16="http://schemas.microsoft.com/office/drawing/2014/main" id="{CD7F14FE-5B17-43B6-35A2-C8C68449C79A}"/>
+                <a16:creationId xmlns:a16="http://schemas.microsoft.com/office/drawing/2014/main" id="{14B4A5C9-BE4D-A963-E462-E28731390028}"/>
               </a:ext>
             </a:extLst>
           </p:cNvPr>
@@ -2196,7 +2196,7 @@
           <p:cNvPr id="3" name="内容占位符 2">
             <a:extLst>
               <a:ext uri="{FF2B5EF4-FFF2-40B4-BE49-F238E27FC236}">
-                <a16:creationId xmlns:a16="http://schemas.microsoft.com/office/drawing/2014/main" id="{D5339C8B-314F-3D84-DF9E-C0A40BCA1E6D}"/>
+                <a16:creationId xmlns:a16="http://schemas.microsoft.com/office/drawing/2014/main" id="{E9069CD1-A08B-CDAC-B993-248C17BC3C5D}"/>
               </a:ext>
             </a:extLst>
           </p:cNvPr>
@@ -2286,7 +2286,7 @@
           <p:cNvPr id="4" name="文本占位符 3">
             <a:extLst>
               <a:ext uri="{FF2B5EF4-FFF2-40B4-BE49-F238E27FC236}">
-                <a16:creationId xmlns:a16="http://schemas.microsoft.com/office/drawing/2014/main" id="{7CF0E43C-26D6-9BE2-3B54-CFFD64B9031D}"/>
+                <a16:creationId xmlns:a16="http://schemas.microsoft.com/office/drawing/2014/main" id="{5D2544F1-E613-C849-36EA-661904E9D2CA}"/>
               </a:ext>
             </a:extLst>
           </p:cNvPr>
@@ -2357,7 +2357,7 @@
           <p:cNvPr id="5" name="日期占位符 4">
             <a:extLst>
               <a:ext uri="{FF2B5EF4-FFF2-40B4-BE49-F238E27FC236}">
-                <a16:creationId xmlns:a16="http://schemas.microsoft.com/office/drawing/2014/main" id="{67D0878F-AE15-B7AF-9683-E8320D156078}"/>
+                <a16:creationId xmlns:a16="http://schemas.microsoft.com/office/drawing/2014/main" id="{40B1F300-46C3-0C93-7E1E-0CEBA383E013}"/>
               </a:ext>
             </a:extLst>
           </p:cNvPr>
@@ -2373,7 +2373,7 @@
           <a:bodyPr/>
           <a:lstStyle/>
           <a:p>
-            <a:fld id="{76D709D7-F66E-415D-A3B2-D8E5A76F08C1}" type="datetimeFigureOut">
+            <a:fld id="{D7DAFB74-707B-464E-A8D4-66BEC6A66364}" type="datetimeFigureOut">
               <a:rPr lang="zh-CN" altLang="en-US" smtClean="0"/>
               <a:t>2024/3/10</a:t>
             </a:fld>
@@ -2386,7 +2386,7 @@
           <p:cNvPr id="6" name="页脚占位符 5">
             <a:extLst>
               <a:ext uri="{FF2B5EF4-FFF2-40B4-BE49-F238E27FC236}">
-                <a16:creationId xmlns:a16="http://schemas.microsoft.com/office/drawing/2014/main" id="{5A07A975-578F-CA32-7273-4121B82AE763}"/>
+                <a16:creationId xmlns:a16="http://schemas.microsoft.com/office/drawing/2014/main" id="{0EF90008-8F20-8B38-9B5A-255F91EFAE55}"/>
               </a:ext>
             </a:extLst>
           </p:cNvPr>
@@ -2411,7 +2411,7 @@
           <p:cNvPr id="7" name="灯片编号占位符 6">
             <a:extLst>
               <a:ext uri="{FF2B5EF4-FFF2-40B4-BE49-F238E27FC236}">
-                <a16:creationId xmlns:a16="http://schemas.microsoft.com/office/drawing/2014/main" id="{F6F093AE-9F00-1E55-84EB-826EC85B592E}"/>
+                <a16:creationId xmlns:a16="http://schemas.microsoft.com/office/drawing/2014/main" id="{7FA0CE9B-26C3-BCB0-9A6D-CA049A86B273}"/>
               </a:ext>
             </a:extLst>
           </p:cNvPr>
@@ -2427,7 +2427,7 @@
           <a:bodyPr/>
           <a:lstStyle/>
           <a:p>
-            <a:fld id="{4B91C50D-EB4C-4122-B325-82A58C6E68A8}" type="slidenum">
+            <a:fld id="{D1E0061D-B850-4BD2-8CDF-45012D8D7267}" type="slidenum">
               <a:rPr lang="zh-CN" altLang="en-US" smtClean="0"/>
               <a:t>‹#›</a:t>
             </a:fld>
@@ -2438,7 +2438,7 @@
     </p:spTree>
     <p:extLst>
       <p:ext uri="{BB962C8B-B14F-4D97-AF65-F5344CB8AC3E}">
-        <p14:creationId xmlns:p14="http://schemas.microsoft.com/office/powerpoint/2010/main" val="1850502283"/>
+        <p14:creationId xmlns:p14="http://schemas.microsoft.com/office/powerpoint/2010/main" val="4173051927"/>
       </p:ext>
     </p:extLst>
   </p:cSld>
@@ -2470,7 +2470,7 @@
           <p:cNvPr id="2" name="标题 1">
             <a:extLst>
               <a:ext uri="{FF2B5EF4-FFF2-40B4-BE49-F238E27FC236}">
-                <a16:creationId xmlns:a16="http://schemas.microsoft.com/office/drawing/2014/main" id="{2F6919EB-8398-85FF-CFE2-2D72CBF4F792}"/>
+                <a16:creationId xmlns:a16="http://schemas.microsoft.com/office/drawing/2014/main" id="{07593BA7-4255-732A-0562-4FAA33151981}"/>
               </a:ext>
             </a:extLst>
           </p:cNvPr>
@@ -2507,7 +2507,7 @@
           <p:cNvPr id="3" name="图片占位符 2">
             <a:extLst>
               <a:ext uri="{FF2B5EF4-FFF2-40B4-BE49-F238E27FC236}">
-                <a16:creationId xmlns:a16="http://schemas.microsoft.com/office/drawing/2014/main" id="{EBD76171-FFEC-3B9C-2AD0-BBFD734EEBE2}"/>
+                <a16:creationId xmlns:a16="http://schemas.microsoft.com/office/drawing/2014/main" id="{E46563B5-2118-1EDD-0958-B51296DD7872}"/>
               </a:ext>
             </a:extLst>
           </p:cNvPr>
@@ -2574,7 +2574,7 @@
           <p:cNvPr id="4" name="文本占位符 3">
             <a:extLst>
               <a:ext uri="{FF2B5EF4-FFF2-40B4-BE49-F238E27FC236}">
-                <a16:creationId xmlns:a16="http://schemas.microsoft.com/office/drawing/2014/main" id="{3DCEC7C1-D24A-920F-991F-CBB54EA6FBA6}"/>
+                <a16:creationId xmlns:a16="http://schemas.microsoft.com/office/drawing/2014/main" id="{A616DBD2-34AC-0EC3-657C-BD49CB9B7AE5}"/>
               </a:ext>
             </a:extLst>
           </p:cNvPr>
@@ -2645,7 +2645,7 @@
           <p:cNvPr id="5" name="日期占位符 4">
             <a:extLst>
               <a:ext uri="{FF2B5EF4-FFF2-40B4-BE49-F238E27FC236}">
-                <a16:creationId xmlns:a16="http://schemas.microsoft.com/office/drawing/2014/main" id="{1EC4583F-167C-7853-5268-58838BD6FD79}"/>
+                <a16:creationId xmlns:a16="http://schemas.microsoft.com/office/drawing/2014/main" id="{75C93913-3F69-06E3-1B5D-9E9053D4B3FA}"/>
               </a:ext>
             </a:extLst>
           </p:cNvPr>
@@ -2661,7 +2661,7 @@
           <a:bodyPr/>
           <a:lstStyle/>
           <a:p>
-            <a:fld id="{76D709D7-F66E-415D-A3B2-D8E5A76F08C1}" type="datetimeFigureOut">
+            <a:fld id="{D7DAFB74-707B-464E-A8D4-66BEC6A66364}" type="datetimeFigureOut">
               <a:rPr lang="zh-CN" altLang="en-US" smtClean="0"/>
               <a:t>2024/3/10</a:t>
             </a:fld>
@@ -2674,7 +2674,7 @@
           <p:cNvPr id="6" name="页脚占位符 5">
             <a:extLst>
               <a:ext uri="{FF2B5EF4-FFF2-40B4-BE49-F238E27FC236}">
-                <a16:creationId xmlns:a16="http://schemas.microsoft.com/office/drawing/2014/main" id="{8F1CA611-44C4-71C4-8368-3645DC308A5E}"/>
+                <a16:creationId xmlns:a16="http://schemas.microsoft.com/office/drawing/2014/main" id="{90CFD9B5-5DB0-F1AD-1849-41218A689820}"/>
               </a:ext>
             </a:extLst>
           </p:cNvPr>
@@ -2699,7 +2699,7 @@
           <p:cNvPr id="7" name="灯片编号占位符 6">
             <a:extLst>
               <a:ext uri="{FF2B5EF4-FFF2-40B4-BE49-F238E27FC236}">
-                <a16:creationId xmlns:a16="http://schemas.microsoft.com/office/drawing/2014/main" id="{52CD1581-D767-4470-5B0A-1F4F3B0D40E8}"/>
+                <a16:creationId xmlns:a16="http://schemas.microsoft.com/office/drawing/2014/main" id="{78D727D0-301E-A69A-86E5-4D211930C239}"/>
               </a:ext>
             </a:extLst>
           </p:cNvPr>
@@ -2715,7 +2715,7 @@
           <a:bodyPr/>
           <a:lstStyle/>
           <a:p>
-            <a:fld id="{4B91C50D-EB4C-4122-B325-82A58C6E68A8}" type="slidenum">
+            <a:fld id="{D1E0061D-B850-4BD2-8CDF-45012D8D7267}" type="slidenum">
               <a:rPr lang="zh-CN" altLang="en-US" smtClean="0"/>
               <a:t>‹#›</a:t>
             </a:fld>
@@ -2726,7 +2726,7 @@
     </p:spTree>
     <p:extLst>
       <p:ext uri="{BB962C8B-B14F-4D97-AF65-F5344CB8AC3E}">
-        <p14:creationId xmlns:p14="http://schemas.microsoft.com/office/powerpoint/2010/main" val="2109689026"/>
+        <p14:creationId xmlns:p14="http://schemas.microsoft.com/office/powerpoint/2010/main" val="3205993245"/>
       </p:ext>
     </p:extLst>
   </p:cSld>
@@ -2763,7 +2763,7 @@
           <p:cNvPr id="2" name="标题占位符 1">
             <a:extLst>
               <a:ext uri="{FF2B5EF4-FFF2-40B4-BE49-F238E27FC236}">
-                <a16:creationId xmlns:a16="http://schemas.microsoft.com/office/drawing/2014/main" id="{A40FC1BF-98B6-0578-FD8A-4413F2DD7566}"/>
+                <a16:creationId xmlns:a16="http://schemas.microsoft.com/office/drawing/2014/main" id="{82C73E59-896E-C379-D8C4-513DBD600B36}"/>
               </a:ext>
             </a:extLst>
           </p:cNvPr>
@@ -2801,7 +2801,7 @@
           <p:cNvPr id="3" name="文本占位符 2">
             <a:extLst>
               <a:ext uri="{FF2B5EF4-FFF2-40B4-BE49-F238E27FC236}">
-                <a16:creationId xmlns:a16="http://schemas.microsoft.com/office/drawing/2014/main" id="{038E35E8-B897-F76D-FB6D-5F3DC19D5D16}"/>
+                <a16:creationId xmlns:a16="http://schemas.microsoft.com/office/drawing/2014/main" id="{2E1D4506-11BC-B5E2-9CFF-D3E1683A0AB8}"/>
               </a:ext>
             </a:extLst>
           </p:cNvPr>
@@ -2868,7 +2868,7 @@
           <p:cNvPr id="4" name="日期占位符 3">
             <a:extLst>
               <a:ext uri="{FF2B5EF4-FFF2-40B4-BE49-F238E27FC236}">
-                <a16:creationId xmlns:a16="http://schemas.microsoft.com/office/drawing/2014/main" id="{30E716CD-3190-A26F-637B-1DD5B6595CC1}"/>
+                <a16:creationId xmlns:a16="http://schemas.microsoft.com/office/drawing/2014/main" id="{DFAF68DF-9DE0-7E7B-4B2B-E2B5A235B564}"/>
               </a:ext>
             </a:extLst>
           </p:cNvPr>
@@ -2902,7 +2902,7 @@
             </a:lvl1pPr>
           </a:lstStyle>
           <a:p>
-            <a:fld id="{76D709D7-F66E-415D-A3B2-D8E5A76F08C1}" type="datetimeFigureOut">
+            <a:fld id="{D7DAFB74-707B-464E-A8D4-66BEC6A66364}" type="datetimeFigureOut">
               <a:rPr lang="zh-CN" altLang="en-US" smtClean="0"/>
               <a:t>2024/3/10</a:t>
             </a:fld>
@@ -2915,7 +2915,7 @@
           <p:cNvPr id="5" name="页脚占位符 4">
             <a:extLst>
               <a:ext uri="{FF2B5EF4-FFF2-40B4-BE49-F238E27FC236}">
-                <a16:creationId xmlns:a16="http://schemas.microsoft.com/office/drawing/2014/main" id="{CC26AEB6-2E07-FC8B-AF4E-19F7F78CB99C}"/>
+                <a16:creationId xmlns:a16="http://schemas.microsoft.com/office/drawing/2014/main" id="{F0A39BF8-D2D3-A7DC-77FE-A42237787297}"/>
               </a:ext>
             </a:extLst>
           </p:cNvPr>
@@ -2958,7 +2958,7 @@
           <p:cNvPr id="6" name="灯片编号占位符 5">
             <a:extLst>
               <a:ext uri="{FF2B5EF4-FFF2-40B4-BE49-F238E27FC236}">
-                <a16:creationId xmlns:a16="http://schemas.microsoft.com/office/drawing/2014/main" id="{CD83016E-9818-A760-5313-C4B1DD120120}"/>
+                <a16:creationId xmlns:a16="http://schemas.microsoft.com/office/drawing/2014/main" id="{7FD175A5-71C3-7579-30F4-4E481CF14798}"/>
               </a:ext>
             </a:extLst>
           </p:cNvPr>
@@ -2992,7 +2992,7 @@
             </a:lvl1pPr>
           </a:lstStyle>
           <a:p>
-            <a:fld id="{4B91C50D-EB4C-4122-B325-82A58C6E68A8}" type="slidenum">
+            <a:fld id="{D1E0061D-B850-4BD2-8CDF-45012D8D7267}" type="slidenum">
               <a:rPr lang="zh-CN" altLang="en-US" smtClean="0"/>
               <a:t>‹#›</a:t>
             </a:fld>
@@ -3003,7 +3003,7 @@
     </p:spTree>
     <p:extLst>
       <p:ext uri="{BB962C8B-B14F-4D97-AF65-F5344CB8AC3E}">
-        <p14:creationId xmlns:p14="http://schemas.microsoft.com/office/powerpoint/2010/main" val="2926632705"/>
+        <p14:creationId xmlns:p14="http://schemas.microsoft.com/office/powerpoint/2010/main" val="2289032708"/>
       </p:ext>
     </p:extLst>
   </p:cSld>
